--- a/docs/Presentation.pptx
+++ b/docs/Presentation.pptx
@@ -7655,14 +7655,10 @@
           <a:p>
             <a:r>
               <a:rPr lang="en-US" dirty="0" smtClean="0"/>
-              <a:t>Flowchart of System</a:t>
-            </a:r>
-            <a:r>
-              <a:rPr lang="en-US" dirty="0"/>
-              <a:t/>
+              <a:t>Flowchart</a:t>
             </a:r>
             <a:br>
-              <a:rPr lang="en-US" dirty="0"/>
+              <a:rPr lang="en-US" dirty="0" smtClean="0"/>
             </a:br>
             <a:r>
               <a:rPr lang="en-US" sz="2000" dirty="0" smtClean="0">
@@ -7670,7 +7666,15 @@
                   <a:schemeClr val="tx1"/>
                 </a:solidFill>
               </a:rPr>
-              <a:t>How is the program running?</a:t>
+              <a:t>How </a:t>
+            </a:r>
+            <a:r>
+              <a:rPr lang="en-US" sz="2000" dirty="0" smtClean="0">
+                <a:solidFill>
+                  <a:schemeClr val="tx1"/>
+                </a:solidFill>
+              </a:rPr>
+              <a:t>is the program running?</a:t>
             </a:r>
             <a:endParaRPr lang="en-US" sz="2000" dirty="0">
               <a:solidFill>
@@ -8404,7 +8408,7 @@
             <a:pPr algn="r"/>
             <a:r>
               <a:rPr lang="en-GB" sz="1050" dirty="0" smtClean="0"/>
-              <a:t>Unsuccessful 3 times?</a:t>
+              <a:t>Unsuccessful?</a:t>
             </a:r>
             <a:endParaRPr lang="en-GB" sz="1050" dirty="0"/>
           </a:p>
@@ -8560,7 +8564,6 @@
               <a:rPr lang="en-GB" sz="1100" dirty="0"/>
               <a:t>refresh list</a:t>
             </a:r>
-            <a:endParaRPr lang="en-GB" sz="1100" dirty="0"/>
           </a:p>
         </p:txBody>
       </p:sp>
@@ -8710,111 +8713,874 @@
           <a:lstStyle/>
           <a:p>
             <a:r>
+              <a:rPr lang="en-US" dirty="0" smtClean="0"/>
+              <a:t>Timeline</a:t>
+            </a:r>
+            <a:r>
               <a:rPr lang="en-US" dirty="0"/>
-              <a:t>Heading Sky text 28pt</a:t>
+              <a:t/>
             </a:r>
             <a:br>
               <a:rPr lang="en-US" dirty="0"/>
             </a:br>
-            <a:r>
-              <a:rPr lang="en-US" sz="2000" dirty="0">
-                <a:solidFill>
-                  <a:schemeClr val="tx1"/>
-                </a:solidFill>
-              </a:rPr>
-              <a:t>Sub header Sky text 20pt</a:t>
-            </a:r>
-          </a:p>
-        </p:txBody>
-      </p:sp>
-      <p:sp>
-        <p:nvSpPr>
-          <p:cNvPr id="7" name="Content Placeholder 6"/>
-          <p:cNvSpPr>
-            <a:spLocks noGrp="1"/>
-          </p:cNvSpPr>
-          <p:nvPr>
-            <p:ph sz="half" idx="1"/>
-          </p:nvPr>
-        </p:nvSpPr>
-        <p:spPr/>
-        <p:txBody>
-          <a:bodyPr/>
+            <a:endParaRPr lang="en-US" sz="2000" dirty="0">
+              <a:solidFill>
+                <a:schemeClr val="tx1"/>
+              </a:solidFill>
+            </a:endParaRPr>
+          </a:p>
+        </p:txBody>
+      </p:sp>
+      <p:sp>
+        <p:nvSpPr>
+          <p:cNvPr id="8" name="Rectangle 7"/>
+          <p:cNvSpPr/>
+          <p:nvPr/>
+        </p:nvSpPr>
+        <p:spPr>
+          <a:xfrm>
+            <a:off x="760650" y="3774933"/>
+            <a:ext cx="1561763" cy="1197621"/>
+          </a:xfrm>
+          <a:prstGeom prst="rect">
+            <a:avLst/>
+          </a:prstGeom>
+        </p:spPr>
+        <p:style>
+          <a:lnRef idx="3">
+            <a:schemeClr val="lt1"/>
+          </a:lnRef>
+          <a:fillRef idx="1">
+            <a:schemeClr val="accent1"/>
+          </a:fillRef>
+          <a:effectRef idx="1">
+            <a:schemeClr val="accent1"/>
+          </a:effectRef>
+          <a:fontRef idx="minor">
+            <a:schemeClr val="lt1"/>
+          </a:fontRef>
+        </p:style>
+        <p:txBody>
+          <a:bodyPr rtlCol="0" anchor="ctr"/>
           <a:lstStyle/>
           <a:p>
-            <a:pPr marL="0" lvl="0" indent="0">
-              <a:buNone/>
+            <a:pPr algn="ctr"/>
+            <a:r>
+              <a:rPr lang="en-GB" dirty="0" smtClean="0"/>
+              <a:t>Learning</a:t>
+            </a:r>
+            <a:endParaRPr lang="en-GB" dirty="0"/>
+          </a:p>
+        </p:txBody>
+      </p:sp>
+      <p:sp>
+        <p:nvSpPr>
+          <p:cNvPr id="9" name="Rectangle 8"/>
+          <p:cNvSpPr/>
+          <p:nvPr/>
+        </p:nvSpPr>
+        <p:spPr>
+          <a:xfrm>
+            <a:off x="2443793" y="3774933"/>
+            <a:ext cx="1561763" cy="1197621"/>
+          </a:xfrm>
+          <a:prstGeom prst="rect">
+            <a:avLst/>
+          </a:prstGeom>
+        </p:spPr>
+        <p:style>
+          <a:lnRef idx="3">
+            <a:schemeClr val="lt1"/>
+          </a:lnRef>
+          <a:fillRef idx="1">
+            <a:schemeClr val="accent1"/>
+          </a:fillRef>
+          <a:effectRef idx="1">
+            <a:schemeClr val="accent1"/>
+          </a:effectRef>
+          <a:fontRef idx="minor">
+            <a:schemeClr val="lt1"/>
+          </a:fontRef>
+        </p:style>
+        <p:txBody>
+          <a:bodyPr rtlCol="0" anchor="ctr"/>
+          <a:lstStyle/>
+          <a:p>
+            <a:pPr algn="ctr"/>
+            <a:r>
+              <a:rPr lang="en-GB" dirty="0" smtClean="0"/>
+              <a:t>Project Planning</a:t>
+            </a:r>
+            <a:endParaRPr lang="en-GB" dirty="0"/>
+          </a:p>
+        </p:txBody>
+      </p:sp>
+      <p:sp>
+        <p:nvSpPr>
+          <p:cNvPr id="10" name="Rectangle 9"/>
+          <p:cNvSpPr/>
+          <p:nvPr/>
+        </p:nvSpPr>
+        <p:spPr>
+          <a:xfrm>
+            <a:off x="4110752" y="3774933"/>
+            <a:ext cx="1561763" cy="1197621"/>
+          </a:xfrm>
+          <a:prstGeom prst="rect">
+            <a:avLst/>
+          </a:prstGeom>
+        </p:spPr>
+        <p:style>
+          <a:lnRef idx="3">
+            <a:schemeClr val="lt1"/>
+          </a:lnRef>
+          <a:fillRef idx="1">
+            <a:schemeClr val="accent1"/>
+          </a:fillRef>
+          <a:effectRef idx="1">
+            <a:schemeClr val="accent1"/>
+          </a:effectRef>
+          <a:fontRef idx="minor">
+            <a:schemeClr val="lt1"/>
+          </a:fontRef>
+        </p:style>
+        <p:txBody>
+          <a:bodyPr rtlCol="0" anchor="ctr"/>
+          <a:lstStyle/>
+          <a:p>
+            <a:pPr algn="ctr"/>
+            <a:r>
+              <a:rPr lang="en-GB" dirty="0" smtClean="0"/>
+              <a:t>Sprint 1</a:t>
+            </a:r>
+            <a:endParaRPr lang="en-GB" dirty="0"/>
+          </a:p>
+        </p:txBody>
+      </p:sp>
+      <p:sp>
+        <p:nvSpPr>
+          <p:cNvPr id="11" name="Rectangle 10"/>
+          <p:cNvSpPr/>
+          <p:nvPr/>
+        </p:nvSpPr>
+        <p:spPr>
+          <a:xfrm>
+            <a:off x="5737251" y="3774933"/>
+            <a:ext cx="1561763" cy="1197621"/>
+          </a:xfrm>
+          <a:prstGeom prst="rect">
+            <a:avLst/>
+          </a:prstGeom>
+        </p:spPr>
+        <p:style>
+          <a:lnRef idx="3">
+            <a:schemeClr val="lt1"/>
+          </a:lnRef>
+          <a:fillRef idx="1">
+            <a:schemeClr val="accent1"/>
+          </a:fillRef>
+          <a:effectRef idx="1">
+            <a:schemeClr val="accent1"/>
+          </a:effectRef>
+          <a:fontRef idx="minor">
+            <a:schemeClr val="lt1"/>
+          </a:fontRef>
+        </p:style>
+        <p:txBody>
+          <a:bodyPr rtlCol="0" anchor="ctr"/>
+          <a:lstStyle/>
+          <a:p>
+            <a:pPr algn="ctr"/>
+            <a:r>
+              <a:rPr lang="en-GB" dirty="0" smtClean="0"/>
+              <a:t>Sprint 2</a:t>
+            </a:r>
+            <a:endParaRPr lang="en-GB" dirty="0"/>
+          </a:p>
+        </p:txBody>
+      </p:sp>
+      <p:sp>
+        <p:nvSpPr>
+          <p:cNvPr id="12" name="Rectangle 11"/>
+          <p:cNvSpPr/>
+          <p:nvPr/>
+        </p:nvSpPr>
+        <p:spPr>
+          <a:xfrm>
+            <a:off x="7355658" y="3774933"/>
+            <a:ext cx="1561763" cy="1197621"/>
+          </a:xfrm>
+          <a:prstGeom prst="rect">
+            <a:avLst/>
+          </a:prstGeom>
+        </p:spPr>
+        <p:style>
+          <a:lnRef idx="3">
+            <a:schemeClr val="lt1"/>
+          </a:lnRef>
+          <a:fillRef idx="1">
+            <a:schemeClr val="accent1"/>
+          </a:fillRef>
+          <a:effectRef idx="1">
+            <a:schemeClr val="accent1"/>
+          </a:effectRef>
+          <a:fontRef idx="minor">
+            <a:schemeClr val="lt1"/>
+          </a:fontRef>
+        </p:style>
+        <p:txBody>
+          <a:bodyPr rtlCol="0" anchor="ctr"/>
+          <a:lstStyle/>
+          <a:p>
+            <a:pPr algn="ctr"/>
+            <a:r>
+              <a:rPr lang="en-GB" dirty="0" smtClean="0"/>
+              <a:t>Sprint 3</a:t>
+            </a:r>
+            <a:endParaRPr lang="en-GB" dirty="0"/>
+          </a:p>
+        </p:txBody>
+      </p:sp>
+      <p:sp>
+        <p:nvSpPr>
+          <p:cNvPr id="13" name="Rectangle 12"/>
+          <p:cNvSpPr/>
+          <p:nvPr/>
+        </p:nvSpPr>
+        <p:spPr>
+          <a:xfrm>
+            <a:off x="8974065" y="3774932"/>
+            <a:ext cx="1561763" cy="1197621"/>
+          </a:xfrm>
+          <a:prstGeom prst="rect">
+            <a:avLst/>
+          </a:prstGeom>
+        </p:spPr>
+        <p:style>
+          <a:lnRef idx="3">
+            <a:schemeClr val="lt1"/>
+          </a:lnRef>
+          <a:fillRef idx="1">
+            <a:schemeClr val="accent1"/>
+          </a:fillRef>
+          <a:effectRef idx="1">
+            <a:schemeClr val="accent1"/>
+          </a:effectRef>
+          <a:fontRef idx="minor">
+            <a:schemeClr val="lt1"/>
+          </a:fontRef>
+        </p:style>
+        <p:txBody>
+          <a:bodyPr rtlCol="0" anchor="ctr"/>
+          <a:lstStyle/>
+          <a:p>
+            <a:pPr algn="ctr"/>
+            <a:r>
+              <a:rPr lang="en-GB" sz="1800" dirty="0" smtClean="0"/>
+              <a:t>Presentation</a:t>
+            </a:r>
+            <a:endParaRPr lang="en-GB" dirty="0" smtClean="0"/>
+          </a:p>
+        </p:txBody>
+      </p:sp>
+      <p:sp>
+        <p:nvSpPr>
+          <p:cNvPr id="14" name="Rectangle 13"/>
+          <p:cNvSpPr/>
+          <p:nvPr/>
+        </p:nvSpPr>
+        <p:spPr>
+          <a:xfrm>
+            <a:off x="2443793" y="845617"/>
+            <a:ext cx="1561763" cy="2848395"/>
+          </a:xfrm>
+          <a:prstGeom prst="rect">
+            <a:avLst/>
+          </a:prstGeom>
+        </p:spPr>
+        <p:style>
+          <a:lnRef idx="1">
+            <a:schemeClr val="dk1"/>
+          </a:lnRef>
+          <a:fillRef idx="2">
+            <a:schemeClr val="dk1"/>
+          </a:fillRef>
+          <a:effectRef idx="1">
+            <a:schemeClr val="dk1"/>
+          </a:effectRef>
+          <a:fontRef idx="minor">
+            <a:schemeClr val="dk1"/>
+          </a:fontRef>
+        </p:style>
+        <p:txBody>
+          <a:bodyPr rtlCol="0" anchor="ctr"/>
+          <a:lstStyle/>
+          <a:p>
+            <a:pPr marL="285750" indent="-285750">
+              <a:buFontTx/>
+              <a:buChar char="-"/>
             </a:pPr>
             <a:r>
-              <a:rPr lang="en-US" dirty="0"/>
-              <a:t>Body Sky text 18pt</a:t>
-            </a:r>
-          </a:p>
-          <a:p>
-            <a:pPr lvl="0"/>
-            <a:endParaRPr lang="en-US" dirty="0"/>
-          </a:p>
-          <a:p>
-            <a:r>
-              <a:rPr lang="en-US" dirty="0"/>
-              <a:t>Bullet point Sky text 18pt</a:t>
-            </a:r>
-          </a:p>
-        </p:txBody>
-      </p:sp>
-      <p:sp>
-        <p:nvSpPr>
-          <p:cNvPr id="3" name="Content Placeholder 2"/>
-          <p:cNvSpPr>
-            <a:spLocks noGrp="1"/>
-          </p:cNvSpPr>
-          <p:nvPr>
-            <p:ph sz="half" idx="2"/>
-          </p:nvPr>
-        </p:nvSpPr>
-        <p:spPr/>
-        <p:txBody>
-          <a:bodyPr/>
+              <a:rPr lang="en-GB" sz="1400" dirty="0" smtClean="0"/>
+              <a:t>OWASP Security</a:t>
+            </a:r>
+            <a:endParaRPr lang="en-GB" sz="1400" dirty="0"/>
+          </a:p>
+          <a:p>
+            <a:pPr marL="285750" indent="-285750">
+              <a:buFontTx/>
+              <a:buChar char="-"/>
+            </a:pPr>
+            <a:r>
+              <a:rPr lang="en-GB" sz="1400" dirty="0" smtClean="0"/>
+              <a:t>Agile methodology</a:t>
+            </a:r>
+          </a:p>
+          <a:p>
+            <a:pPr marL="285750" indent="-285750">
+              <a:buFontTx/>
+              <a:buChar char="-"/>
+            </a:pPr>
+            <a:r>
+              <a:rPr lang="en-GB" sz="1400" dirty="0" err="1" smtClean="0"/>
+              <a:t>Miro</a:t>
+            </a:r>
+            <a:r>
+              <a:rPr lang="en-GB" sz="1400" dirty="0" smtClean="0"/>
+              <a:t> board</a:t>
+            </a:r>
+          </a:p>
+          <a:p>
+            <a:pPr marL="285750" indent="-285750">
+              <a:buFontTx/>
+              <a:buChar char="-"/>
+            </a:pPr>
+            <a:r>
+              <a:rPr lang="en-GB" sz="1400" dirty="0" err="1" smtClean="0"/>
+              <a:t>Kanban</a:t>
+            </a:r>
+            <a:endParaRPr lang="en-GB" sz="1400" dirty="0" smtClean="0"/>
+          </a:p>
+          <a:p>
+            <a:pPr marL="285750" indent="-285750">
+              <a:buFontTx/>
+              <a:buChar char="-"/>
+            </a:pPr>
+            <a:r>
+              <a:rPr lang="en-GB" sz="1400" dirty="0" smtClean="0"/>
+              <a:t>Design thinking</a:t>
+            </a:r>
+          </a:p>
+          <a:p>
+            <a:pPr marL="285750" indent="-285750">
+              <a:buFontTx/>
+              <a:buChar char="-"/>
+            </a:pPr>
+            <a:r>
+              <a:rPr lang="en-GB" sz="1400" dirty="0" err="1" smtClean="0"/>
+              <a:t>Github</a:t>
+            </a:r>
+            <a:r>
+              <a:rPr lang="en-GB" sz="1400" dirty="0" smtClean="0"/>
+              <a:t> and </a:t>
+            </a:r>
+            <a:r>
+              <a:rPr lang="en-GB" sz="1400" dirty="0" err="1" smtClean="0"/>
+              <a:t>Whatsapp</a:t>
+            </a:r>
+            <a:r>
+              <a:rPr lang="en-GB" sz="1400" dirty="0" smtClean="0"/>
+              <a:t> collaboration</a:t>
+            </a:r>
+            <a:endParaRPr lang="en-GB" sz="1400" dirty="0" smtClean="0"/>
+          </a:p>
+        </p:txBody>
+      </p:sp>
+      <p:sp>
+        <p:nvSpPr>
+          <p:cNvPr id="16" name="Rectangle 15"/>
+          <p:cNvSpPr/>
+          <p:nvPr/>
+        </p:nvSpPr>
+        <p:spPr>
+          <a:xfrm>
+            <a:off x="2455930" y="5134395"/>
+            <a:ext cx="1561763" cy="525982"/>
+          </a:xfrm>
+          <a:prstGeom prst="rect">
+            <a:avLst/>
+          </a:prstGeom>
+        </p:spPr>
+        <p:style>
+          <a:lnRef idx="1">
+            <a:schemeClr val="dk1"/>
+          </a:lnRef>
+          <a:fillRef idx="2">
+            <a:schemeClr val="dk1"/>
+          </a:fillRef>
+          <a:effectRef idx="1">
+            <a:schemeClr val="dk1"/>
+          </a:effectRef>
+          <a:fontRef idx="minor">
+            <a:schemeClr val="dk1"/>
+          </a:fontRef>
+        </p:style>
+        <p:txBody>
+          <a:bodyPr rtlCol="0" anchor="ctr"/>
           <a:lstStyle/>
           <a:p>
-            <a:pPr marL="0" lvl="0" indent="0">
-              <a:buNone/>
+            <a:pPr algn="ctr"/>
+            <a:r>
+              <a:rPr lang="en-GB" sz="1400" dirty="0" smtClean="0"/>
+              <a:t>4 May</a:t>
+            </a:r>
+          </a:p>
+        </p:txBody>
+      </p:sp>
+      <p:sp>
+        <p:nvSpPr>
+          <p:cNvPr id="17" name="Rectangle 16"/>
+          <p:cNvSpPr/>
+          <p:nvPr/>
+        </p:nvSpPr>
+        <p:spPr>
+          <a:xfrm>
+            <a:off x="4110751" y="5134395"/>
+            <a:ext cx="1561763" cy="525982"/>
+          </a:xfrm>
+          <a:prstGeom prst="rect">
+            <a:avLst/>
+          </a:prstGeom>
+        </p:spPr>
+        <p:style>
+          <a:lnRef idx="1">
+            <a:schemeClr val="dk1"/>
+          </a:lnRef>
+          <a:fillRef idx="2">
+            <a:schemeClr val="dk1"/>
+          </a:fillRef>
+          <a:effectRef idx="1">
+            <a:schemeClr val="dk1"/>
+          </a:effectRef>
+          <a:fontRef idx="minor">
+            <a:schemeClr val="dk1"/>
+          </a:fontRef>
+        </p:style>
+        <p:txBody>
+          <a:bodyPr rtlCol="0" anchor="ctr"/>
+          <a:lstStyle/>
+          <a:p>
+            <a:pPr algn="ctr"/>
+            <a:r>
+              <a:rPr lang="en-GB" sz="1400" dirty="0" smtClean="0"/>
+              <a:t>8 – 14 May</a:t>
+            </a:r>
+          </a:p>
+        </p:txBody>
+      </p:sp>
+      <p:sp>
+        <p:nvSpPr>
+          <p:cNvPr id="18" name="Rectangle 17"/>
+          <p:cNvSpPr/>
+          <p:nvPr/>
+        </p:nvSpPr>
+        <p:spPr>
+          <a:xfrm>
+            <a:off x="5737251" y="5134395"/>
+            <a:ext cx="1561763" cy="525982"/>
+          </a:xfrm>
+          <a:prstGeom prst="rect">
+            <a:avLst/>
+          </a:prstGeom>
+        </p:spPr>
+        <p:style>
+          <a:lnRef idx="1">
+            <a:schemeClr val="dk1"/>
+          </a:lnRef>
+          <a:fillRef idx="2">
+            <a:schemeClr val="dk1"/>
+          </a:fillRef>
+          <a:effectRef idx="1">
+            <a:schemeClr val="dk1"/>
+          </a:effectRef>
+          <a:fontRef idx="minor">
+            <a:schemeClr val="dk1"/>
+          </a:fontRef>
+        </p:style>
+        <p:txBody>
+          <a:bodyPr rtlCol="0" anchor="ctr"/>
+          <a:lstStyle/>
+          <a:p>
+            <a:pPr algn="ctr"/>
+            <a:r>
+              <a:rPr lang="en-GB" sz="1400" dirty="0" smtClean="0"/>
+              <a:t>15 – 21 May</a:t>
+            </a:r>
+          </a:p>
+        </p:txBody>
+      </p:sp>
+      <p:sp>
+        <p:nvSpPr>
+          <p:cNvPr id="19" name="Rectangle 18"/>
+          <p:cNvSpPr/>
+          <p:nvPr/>
+        </p:nvSpPr>
+        <p:spPr>
+          <a:xfrm>
+            <a:off x="7355658" y="5134395"/>
+            <a:ext cx="1561763" cy="525982"/>
+          </a:xfrm>
+          <a:prstGeom prst="rect">
+            <a:avLst/>
+          </a:prstGeom>
+        </p:spPr>
+        <p:style>
+          <a:lnRef idx="1">
+            <a:schemeClr val="dk1"/>
+          </a:lnRef>
+          <a:fillRef idx="2">
+            <a:schemeClr val="dk1"/>
+          </a:fillRef>
+          <a:effectRef idx="1">
+            <a:schemeClr val="dk1"/>
+          </a:effectRef>
+          <a:fontRef idx="minor">
+            <a:schemeClr val="dk1"/>
+          </a:fontRef>
+        </p:style>
+        <p:txBody>
+          <a:bodyPr rtlCol="0" anchor="ctr"/>
+          <a:lstStyle/>
+          <a:p>
+            <a:pPr algn="ctr"/>
+            <a:r>
+              <a:rPr lang="en-GB" sz="1400" dirty="0" smtClean="0"/>
+              <a:t>22 – 28 May</a:t>
+            </a:r>
+            <a:endParaRPr lang="en-GB" sz="1400" dirty="0" smtClean="0"/>
+          </a:p>
+        </p:txBody>
+      </p:sp>
+      <p:sp>
+        <p:nvSpPr>
+          <p:cNvPr id="20" name="Rectangle 19"/>
+          <p:cNvSpPr/>
+          <p:nvPr/>
+        </p:nvSpPr>
+        <p:spPr>
+          <a:xfrm>
+            <a:off x="8974065" y="5134395"/>
+            <a:ext cx="1561763" cy="525982"/>
+          </a:xfrm>
+          <a:prstGeom prst="rect">
+            <a:avLst/>
+          </a:prstGeom>
+        </p:spPr>
+        <p:style>
+          <a:lnRef idx="1">
+            <a:schemeClr val="dk1"/>
+          </a:lnRef>
+          <a:fillRef idx="2">
+            <a:schemeClr val="dk1"/>
+          </a:fillRef>
+          <a:effectRef idx="1">
+            <a:schemeClr val="dk1"/>
+          </a:effectRef>
+          <a:fontRef idx="minor">
+            <a:schemeClr val="dk1"/>
+          </a:fontRef>
+        </p:style>
+        <p:txBody>
+          <a:bodyPr rtlCol="0" anchor="ctr"/>
+          <a:lstStyle/>
+          <a:p>
+            <a:pPr algn="ctr"/>
+            <a:r>
+              <a:rPr lang="en-GB" sz="1400" dirty="0" smtClean="0"/>
+              <a:t>1 June</a:t>
+            </a:r>
+            <a:endParaRPr lang="en-GB" sz="1400" dirty="0" smtClean="0"/>
+          </a:p>
+        </p:txBody>
+      </p:sp>
+      <p:sp>
+        <p:nvSpPr>
+          <p:cNvPr id="21" name="Rectangle 20"/>
+          <p:cNvSpPr/>
+          <p:nvPr/>
+        </p:nvSpPr>
+        <p:spPr>
+          <a:xfrm>
+            <a:off x="760650" y="5134395"/>
+            <a:ext cx="1561763" cy="525982"/>
+          </a:xfrm>
+          <a:prstGeom prst="rect">
+            <a:avLst/>
+          </a:prstGeom>
+        </p:spPr>
+        <p:style>
+          <a:lnRef idx="1">
+            <a:schemeClr val="dk1"/>
+          </a:lnRef>
+          <a:fillRef idx="2">
+            <a:schemeClr val="dk1"/>
+          </a:fillRef>
+          <a:effectRef idx="1">
+            <a:schemeClr val="dk1"/>
+          </a:effectRef>
+          <a:fontRef idx="minor">
+            <a:schemeClr val="dk1"/>
+          </a:fontRef>
+        </p:style>
+        <p:txBody>
+          <a:bodyPr rtlCol="0" anchor="ctr"/>
+          <a:lstStyle/>
+          <a:p>
+            <a:pPr algn="ctr"/>
+            <a:r>
+              <a:rPr lang="en-GB" sz="1400" dirty="0" smtClean="0"/>
+              <a:t>2 Feb – 27 Mar</a:t>
+            </a:r>
+          </a:p>
+        </p:txBody>
+      </p:sp>
+      <p:sp>
+        <p:nvSpPr>
+          <p:cNvPr id="22" name="Rectangle 21"/>
+          <p:cNvSpPr/>
+          <p:nvPr/>
+        </p:nvSpPr>
+        <p:spPr>
+          <a:xfrm>
+            <a:off x="760650" y="1727649"/>
+            <a:ext cx="1561763" cy="1966363"/>
+          </a:xfrm>
+          <a:prstGeom prst="rect">
+            <a:avLst/>
+          </a:prstGeom>
+        </p:spPr>
+        <p:style>
+          <a:lnRef idx="1">
+            <a:schemeClr val="dk1"/>
+          </a:lnRef>
+          <a:fillRef idx="2">
+            <a:schemeClr val="dk1"/>
+          </a:fillRef>
+          <a:effectRef idx="1">
+            <a:schemeClr val="dk1"/>
+          </a:effectRef>
+          <a:fontRef idx="minor">
+            <a:schemeClr val="dk1"/>
+          </a:fontRef>
+        </p:style>
+        <p:txBody>
+          <a:bodyPr rtlCol="0" anchor="ctr"/>
+          <a:lstStyle/>
+          <a:p>
+            <a:pPr marL="285750" indent="-285750">
+              <a:buFontTx/>
+              <a:buChar char="-"/>
             </a:pPr>
             <a:r>
-              <a:rPr lang="en-US" dirty="0"/>
-              <a:t>Body Sky text 18pt</a:t>
-            </a:r>
-          </a:p>
-          <a:p>
-            <a:pPr lvl="0"/>
-            <a:endParaRPr lang="en-US" dirty="0"/>
-          </a:p>
-          <a:p>
-            <a:r>
-              <a:rPr lang="en-US" dirty="0"/>
-              <a:t>Bullet point Sky text 18pt</a:t>
-            </a:r>
-          </a:p>
-        </p:txBody>
-      </p:sp>
-      <p:sp>
-        <p:nvSpPr>
-          <p:cNvPr id="2" name="Text Placeholder 1"/>
-          <p:cNvSpPr>
-            <a:spLocks noGrp="1"/>
-          </p:cNvSpPr>
-          <p:nvPr>
-            <p:ph type="body" sz="quarter" idx="10"/>
-          </p:nvPr>
-        </p:nvSpPr>
-        <p:spPr/>
-        <p:txBody>
-          <a:bodyPr/>
+              <a:rPr lang="en-GB" sz="1400" dirty="0" smtClean="0"/>
+              <a:t>Agile</a:t>
+            </a:r>
+            <a:endParaRPr lang="en-GB" sz="1400" dirty="0"/>
+          </a:p>
+          <a:p>
+            <a:pPr marL="285750" indent="-285750">
+              <a:buFontTx/>
+              <a:buChar char="-"/>
+            </a:pPr>
+            <a:r>
+              <a:rPr lang="en-GB" sz="1400" dirty="0" err="1" smtClean="0"/>
+              <a:t>Javascript</a:t>
+            </a:r>
+            <a:endParaRPr lang="en-GB" sz="1400" dirty="0" smtClean="0"/>
+          </a:p>
+          <a:p>
+            <a:pPr marL="285750" indent="-285750">
+              <a:buFontTx/>
+              <a:buChar char="-"/>
+            </a:pPr>
+            <a:r>
+              <a:rPr lang="en-GB" sz="1400" dirty="0" smtClean="0"/>
+              <a:t>Python</a:t>
+            </a:r>
+          </a:p>
+          <a:p>
+            <a:pPr marL="285750" indent="-285750">
+              <a:buFontTx/>
+              <a:buChar char="-"/>
+            </a:pPr>
+            <a:r>
+              <a:rPr lang="en-GB" sz="1400" dirty="0" smtClean="0"/>
+              <a:t>HTML</a:t>
+            </a:r>
+          </a:p>
+          <a:p>
+            <a:pPr marL="285750" indent="-285750">
+              <a:buFontTx/>
+              <a:buChar char="-"/>
+            </a:pPr>
+            <a:r>
+              <a:rPr lang="en-GB" sz="1400" dirty="0" smtClean="0"/>
+              <a:t>CSS &amp; Bootstrap</a:t>
+            </a:r>
+          </a:p>
+          <a:p>
+            <a:pPr marL="285750" indent="-285750">
+              <a:buFontTx/>
+              <a:buChar char="-"/>
+            </a:pPr>
+            <a:r>
+              <a:rPr lang="en-GB" sz="1400" dirty="0" smtClean="0"/>
+              <a:t>Flask</a:t>
+            </a:r>
+          </a:p>
+          <a:p>
+            <a:pPr marL="285750" indent="-285750">
+              <a:buFontTx/>
+              <a:buChar char="-"/>
+            </a:pPr>
+            <a:r>
+              <a:rPr lang="en-GB" sz="1400" dirty="0" smtClean="0"/>
+              <a:t>Git/</a:t>
+            </a:r>
+            <a:r>
+              <a:rPr lang="en-GB" sz="1400" dirty="0" err="1" smtClean="0"/>
+              <a:t>github</a:t>
+            </a:r>
+            <a:endParaRPr lang="en-GB" sz="1400" dirty="0" smtClean="0"/>
+          </a:p>
+        </p:txBody>
+      </p:sp>
+      <p:sp>
+        <p:nvSpPr>
+          <p:cNvPr id="23" name="Rectangle 22"/>
+          <p:cNvSpPr/>
+          <p:nvPr/>
+        </p:nvSpPr>
+        <p:spPr>
+          <a:xfrm>
+            <a:off x="4110752" y="845617"/>
+            <a:ext cx="1561763" cy="2848395"/>
+          </a:xfrm>
+          <a:prstGeom prst="rect">
+            <a:avLst/>
+          </a:prstGeom>
+        </p:spPr>
+        <p:style>
+          <a:lnRef idx="1">
+            <a:schemeClr val="dk1"/>
+          </a:lnRef>
+          <a:fillRef idx="2">
+            <a:schemeClr val="dk1"/>
+          </a:fillRef>
+          <a:effectRef idx="1">
+            <a:schemeClr val="dk1"/>
+          </a:effectRef>
+          <a:fontRef idx="minor">
+            <a:schemeClr val="dk1"/>
+          </a:fontRef>
+        </p:style>
+        <p:txBody>
+          <a:bodyPr rtlCol="0" anchor="ctr"/>
           <a:lstStyle/>
           <a:p>
-            <a:r>
-              <a:rPr lang="en-US" dirty="0"/>
-              <a:t>Source: Text</a:t>
+            <a:pPr algn="ctr"/>
+            <a:r>
+              <a:rPr lang="en-GB" sz="1400" dirty="0" smtClean="0"/>
+              <a:t>Design DB, Test template codes, research on Bootstrap cards and user databases</a:t>
+            </a:r>
+          </a:p>
+        </p:txBody>
+      </p:sp>
+      <p:sp>
+        <p:nvSpPr>
+          <p:cNvPr id="24" name="Rectangle 23"/>
+          <p:cNvSpPr/>
+          <p:nvPr/>
+        </p:nvSpPr>
+        <p:spPr>
+          <a:xfrm>
+            <a:off x="5737250" y="845617"/>
+            <a:ext cx="1561763" cy="2848395"/>
+          </a:xfrm>
+          <a:prstGeom prst="rect">
+            <a:avLst/>
+          </a:prstGeom>
+        </p:spPr>
+        <p:style>
+          <a:lnRef idx="1">
+            <a:schemeClr val="dk1"/>
+          </a:lnRef>
+          <a:fillRef idx="2">
+            <a:schemeClr val="dk1"/>
+          </a:fillRef>
+          <a:effectRef idx="1">
+            <a:schemeClr val="dk1"/>
+          </a:effectRef>
+          <a:fontRef idx="minor">
+            <a:schemeClr val="dk1"/>
+          </a:fontRef>
+        </p:style>
+        <p:txBody>
+          <a:bodyPr rtlCol="0" anchor="ctr"/>
+          <a:lstStyle/>
+          <a:p>
+            <a:pPr algn="ctr"/>
+            <a:r>
+              <a:rPr lang="en-GB" sz="1400" dirty="0" smtClean="0"/>
+              <a:t>Created and optimised forms, database info, buttons, tabs. Protect parts of the page through an admin access</a:t>
+            </a:r>
+          </a:p>
+        </p:txBody>
+      </p:sp>
+      <p:sp>
+        <p:nvSpPr>
+          <p:cNvPr id="25" name="Rectangle 24"/>
+          <p:cNvSpPr/>
+          <p:nvPr/>
+        </p:nvSpPr>
+        <p:spPr>
+          <a:xfrm>
+            <a:off x="7355658" y="845617"/>
+            <a:ext cx="1561763" cy="2848395"/>
+          </a:xfrm>
+          <a:prstGeom prst="rect">
+            <a:avLst/>
+          </a:prstGeom>
+        </p:spPr>
+        <p:style>
+          <a:lnRef idx="1">
+            <a:schemeClr val="dk1"/>
+          </a:lnRef>
+          <a:fillRef idx="2">
+            <a:schemeClr val="dk1"/>
+          </a:fillRef>
+          <a:effectRef idx="1">
+            <a:schemeClr val="dk1"/>
+          </a:effectRef>
+          <a:fontRef idx="minor">
+            <a:schemeClr val="dk1"/>
+          </a:fontRef>
+        </p:style>
+        <p:txBody>
+          <a:bodyPr rtlCol="0" anchor="ctr"/>
+          <a:lstStyle/>
+          <a:p>
+            <a:pPr algn="ctr"/>
+            <a:r>
+              <a:rPr lang="en-GB" sz="1400" dirty="0" smtClean="0"/>
+              <a:t>Stress Test the code &amp; security (hashed passwords and users) and improve our layout (logo, style…).</a:t>
+            </a:r>
+            <a:br>
+              <a:rPr lang="en-GB" sz="1400" dirty="0" smtClean="0"/>
+            </a:br>
+            <a:r>
+              <a:rPr lang="en-GB" sz="1400" dirty="0" smtClean="0"/>
+              <a:t>Minimum viable product</a:t>
             </a:r>
           </a:p>
         </p:txBody>
@@ -8869,14 +9635,14 @@
           <a:p>
             <a:r>
               <a:rPr lang="en-US" dirty="0" smtClean="0"/>
-              <a:t>What else could’ve been added/improved?</a:t>
-            </a:r>
-            <a:r>
-              <a:rPr lang="en-US" dirty="0"/>
-              <a:t/>
+              <a:t>What else could’ve been </a:t>
+            </a:r>
+            <a:r>
+              <a:rPr lang="en-US" dirty="0" smtClean="0"/>
+              <a:t>added/improved?</a:t>
             </a:r>
             <a:br>
-              <a:rPr lang="en-US" dirty="0"/>
+              <a:rPr lang="en-US" dirty="0" smtClean="0"/>
             </a:br>
             <a:endParaRPr lang="en-US" sz="2000" dirty="0">
               <a:solidFill>
@@ -8903,7 +9669,7 @@
         <p:spPr>
           <a:xfrm>
             <a:off x="596900" y="1617029"/>
-            <a:ext cx="5139592" cy="4054474"/>
+            <a:ext cx="10311164" cy="4054474"/>
           </a:xfrm>
           <a:prstGeom prst="rect">
             <a:avLst/>
@@ -9094,16 +9860,63 @@
               <a:t>Better </a:t>
             </a:r>
             <a:r>
-              <a:rPr lang="en-US" dirty="0" err="1" smtClean="0"/>
+              <a:rPr lang="en-GB" dirty="0" smtClean="0"/>
               <a:t>colour</a:t>
             </a:r>
             <a:r>
               <a:rPr lang="en-US" dirty="0" smtClean="0"/>
-              <a:t> choices</a:t>
-            </a:r>
+              <a:t> </a:t>
+            </a:r>
+            <a:r>
+              <a:rPr lang="en-US" dirty="0" smtClean="0"/>
+              <a:t>choices</a:t>
+            </a:r>
+          </a:p>
+          <a:p>
+            <a:r>
+              <a:rPr lang="en-US" dirty="0" smtClean="0"/>
+              <a:t>The login, redirect and 404 pages a little more </a:t>
+            </a:r>
+            <a:r>
+              <a:rPr lang="en-US" dirty="0" smtClean="0"/>
+              <a:t>presentable</a:t>
+            </a:r>
+          </a:p>
+          <a:p>
+            <a:endParaRPr lang="en-US" dirty="0" smtClean="0"/>
           </a:p>
           <a:p>
             <a:endParaRPr lang="en-US" dirty="0"/>
+          </a:p>
+        </p:txBody>
+      </p:sp>
+      <p:sp>
+        <p:nvSpPr>
+          <p:cNvPr id="2" name="TextBox 1"/>
+          <p:cNvSpPr txBox="1"/>
+          <p:nvPr/>
+        </p:nvSpPr>
+        <p:spPr>
+          <a:xfrm>
+            <a:off x="596900" y="1068149"/>
+            <a:ext cx="8449996" cy="446276"/>
+          </a:xfrm>
+          <a:prstGeom prst="rect">
+            <a:avLst/>
+          </a:prstGeom>
+          <a:noFill/>
+        </p:spPr>
+        <p:txBody>
+          <a:bodyPr wrap="square" rtlCol="0">
+            <a:spAutoFit/>
+          </a:bodyPr>
+          <a:lstStyle/>
+          <a:p>
+            <a:r>
+              <a:rPr lang="en-GB" dirty="0" smtClean="0"/>
+              <a:t>Given the right time, resources, knowledge and shift sync. </a:t>
+            </a:r>
+            <a:endParaRPr lang="en-GB" dirty="0"/>
           </a:p>
         </p:txBody>
       </p:sp>
